--- a/Music Maker Project Proposal Final.pptx
+++ b/Music Maker Project Proposal Final.pptx
@@ -229,7 +229,7 @@
           <a:p>
             <a:fld id="{8985FFBF-2C64-42CD-9E2F-09E2049D891B}" type="datetimeFigureOut">
               <a:rPr lang="en-US"/>
-              <a:t>11/19/2025</a:t>
+              <a:t>11/21/2025</a:t>
             </a:fld>
             <a:endParaRPr/>
           </a:p>
@@ -394,7 +394,7 @@
           <a:p>
             <a:fld id="{B7A3DF44-BBF1-44C7-A0B1-7B7B2F7B3880}" type="datetimeFigureOut">
               <a:rPr lang="en-US"/>
-              <a:t>11/19/2025</a:t>
+              <a:t>11/21/2025</a:t>
             </a:fld>
             <a:endParaRPr/>
           </a:p>
@@ -1646,7 +1646,7 @@
             <a:fld id="{14F042A8-43C1-4815-A5CF-022104463224}" type="datetimeFigureOut">
               <a:rPr lang="en-US" smtClean="0"/>
               <a:pPr/>
-              <a:t>11/19/2025</a:t>
+              <a:t>11/21/2025</a:t>
             </a:fld>
             <a:endParaRPr lang="en-US"/>
           </a:p>
@@ -1860,7 +1860,7 @@
           <a:p>
             <a:fld id="{14F042A8-43C1-4815-A5CF-022104463224}" type="datetimeFigureOut">
               <a:rPr lang="en-US"/>
-              <a:t>11/19/2025</a:t>
+              <a:t>11/21/2025</a:t>
             </a:fld>
             <a:endParaRPr/>
           </a:p>
@@ -2258,7 +2258,7 @@
             <a:fld id="{14F042A8-43C1-4815-A5CF-022104463224}" type="datetimeFigureOut">
               <a:rPr lang="en-US" smtClean="0"/>
               <a:pPr/>
-              <a:t>11/19/2025</a:t>
+              <a:t>11/21/2025</a:t>
             </a:fld>
             <a:endParaRPr lang="en-US"/>
           </a:p>
@@ -2471,7 +2471,7 @@
           <a:p>
             <a:fld id="{14F042A8-43C1-4815-A5CF-022104463224}" type="datetimeFigureOut">
               <a:rPr lang="en-US"/>
-              <a:t>11/19/2025</a:t>
+              <a:t>11/21/2025</a:t>
             </a:fld>
             <a:endParaRPr/>
           </a:p>
@@ -3765,7 +3765,7 @@
           <a:p>
             <a:fld id="{14F042A8-43C1-4815-A5CF-022104463224}" type="datetimeFigureOut">
               <a:rPr lang="en-US"/>
-              <a:t>11/19/2025</a:t>
+              <a:t>11/21/2025</a:t>
             </a:fld>
             <a:endParaRPr/>
           </a:p>
@@ -4073,7 +4073,7 @@
           <a:p>
             <a:fld id="{14F042A8-43C1-4815-A5CF-022104463224}" type="datetimeFigureOut">
               <a:rPr lang="en-US"/>
-              <a:t>11/19/2025</a:t>
+              <a:t>11/21/2025</a:t>
             </a:fld>
             <a:endParaRPr/>
           </a:p>
@@ -4525,7 +4525,7 @@
           <a:p>
             <a:fld id="{14F042A8-43C1-4815-A5CF-022104463224}" type="datetimeFigureOut">
               <a:rPr lang="en-US"/>
-              <a:t>11/19/2025</a:t>
+              <a:t>11/21/2025</a:t>
             </a:fld>
             <a:endParaRPr/>
           </a:p>
@@ -4659,7 +4659,7 @@
           <a:p>
             <a:fld id="{14F042A8-43C1-4815-A5CF-022104463224}" type="datetimeFigureOut">
               <a:rPr lang="en-US"/>
-              <a:t>11/19/2025</a:t>
+              <a:t>11/21/2025</a:t>
             </a:fld>
             <a:endParaRPr/>
           </a:p>
@@ -4945,7 +4945,7 @@
             <a:fld id="{14F042A8-43C1-4815-A5CF-022104463224}" type="datetimeFigureOut">
               <a:rPr lang="en-US" smtClean="0"/>
               <a:pPr/>
-              <a:t>11/19/2025</a:t>
+              <a:t>11/21/2025</a:t>
             </a:fld>
             <a:endParaRPr lang="en-US"/>
           </a:p>
@@ -5506,7 +5506,7 @@
             <a:fld id="{14F042A8-43C1-4815-A5CF-022104463224}" type="datetimeFigureOut">
               <a:rPr lang="en-US" smtClean="0"/>
               <a:pPr/>
-              <a:t>11/19/2025</a:t>
+              <a:t>11/21/2025</a:t>
             </a:fld>
             <a:endParaRPr lang="en-US"/>
           </a:p>
@@ -6129,7 +6129,7 @@
             <a:fld id="{14F042A8-43C1-4815-A5CF-022104463224}" type="datetimeFigureOut">
               <a:rPr lang="en-US" smtClean="0"/>
               <a:pPr/>
-              <a:t>11/19/2025</a:t>
+              <a:t>11/21/2025</a:t>
             </a:fld>
             <a:endParaRPr lang="en-US"/>
           </a:p>
@@ -6841,15 +6841,143 @@
           </a:bodyPr>
           <a:lstStyle/>
           <a:p>
-            <a:r>
-              <a:rPr lang="en-US" dirty="0"/>
-              <a:t>Switch from using window.h and Beep() to play single notes to using MIDI.h(Musical Instrument Digital Interface) to play notes</a:t>
-            </a:r>
-          </a:p>
-          <a:p>
-            <a:r>
-              <a:rPr lang="en-US" dirty="0"/>
+            <a:pPr>
+              <a:lnSpc>
+                <a:spcPct val="100000"/>
+              </a:lnSpc>
+            </a:pPr>
+            <a:r>
+              <a:rPr lang="en-US" sz="1600" b="1" dirty="0">
+                <a:latin typeface="Times New Roman" panose="02020603050405020304" pitchFamily="18" charset="0"/>
+                <a:cs typeface="Times New Roman" panose="02020603050405020304" pitchFamily="18" charset="0"/>
+              </a:rPr>
+              <a:t>Switch from using window.h to MIDI.h </a:t>
+            </a:r>
+          </a:p>
+          <a:p>
+            <a:pPr>
+              <a:lnSpc>
+                <a:spcPct val="100000"/>
+              </a:lnSpc>
+            </a:pPr>
+            <a:r>
+              <a:rPr lang="en-US" sz="1600" b="1" dirty="0">
+                <a:latin typeface="Times New Roman" panose="02020603050405020304" pitchFamily="18" charset="0"/>
+                <a:cs typeface="Times New Roman" panose="02020603050405020304" pitchFamily="18" charset="0"/>
+              </a:rPr>
               <a:t>Organize current code </a:t>
+            </a:r>
+          </a:p>
+          <a:p>
+            <a:pPr lvl="1">
+              <a:lnSpc>
+                <a:spcPct val="100000"/>
+              </a:lnSpc>
+            </a:pPr>
+            <a:r>
+              <a:rPr lang="en-US" sz="1600" dirty="0">
+                <a:latin typeface="Times New Roman" panose="02020603050405020304" pitchFamily="18" charset="0"/>
+                <a:cs typeface="Times New Roman" panose="02020603050405020304" pitchFamily="18" charset="0"/>
+              </a:rPr>
+              <a:t>using templates and Inheritance</a:t>
+            </a:r>
+          </a:p>
+          <a:p>
+            <a:pPr>
+              <a:lnSpc>
+                <a:spcPct val="100000"/>
+              </a:lnSpc>
+            </a:pPr>
+            <a:r>
+              <a:rPr lang="en-US" sz="1600" b="1" dirty="0">
+                <a:latin typeface="Times New Roman" panose="02020603050405020304" pitchFamily="18" charset="0"/>
+                <a:cs typeface="Times New Roman" panose="02020603050405020304" pitchFamily="18" charset="0"/>
+              </a:rPr>
+              <a:t>Input Quality-of-Life Improvements</a:t>
+            </a:r>
+          </a:p>
+          <a:p>
+            <a:pPr lvl="1">
+              <a:lnSpc>
+                <a:spcPct val="100000"/>
+              </a:lnSpc>
+            </a:pPr>
+            <a:r>
+              <a:rPr lang="en-US" sz="1600" dirty="0">
+                <a:latin typeface="Times New Roman" panose="02020603050405020304" pitchFamily="18" charset="0"/>
+                <a:cs typeface="Times New Roman" panose="02020603050405020304" pitchFamily="18" charset="0"/>
+              </a:rPr>
+              <a:t>Add support for deleting or editing individual measures.</a:t>
+            </a:r>
+          </a:p>
+          <a:p>
+            <a:pPr lvl="1">
+              <a:lnSpc>
+                <a:spcPct val="100000"/>
+              </a:lnSpc>
+            </a:pPr>
+            <a:r>
+              <a:rPr lang="en-US" sz="1600" dirty="0">
+                <a:latin typeface="Times New Roman" panose="02020603050405020304" pitchFamily="18" charset="0"/>
+                <a:cs typeface="Times New Roman" panose="02020603050405020304" pitchFamily="18" charset="0"/>
+              </a:rPr>
+              <a:t>Add undo/redo for recent musical edits.</a:t>
+            </a:r>
+          </a:p>
+          <a:p>
+            <a:pPr lvl="1">
+              <a:lnSpc>
+                <a:spcPct val="100000"/>
+              </a:lnSpc>
+            </a:pPr>
+            <a:r>
+              <a:rPr lang="en-US" sz="1600" dirty="0">
+                <a:latin typeface="Times New Roman" panose="02020603050405020304" pitchFamily="18" charset="0"/>
+                <a:cs typeface="Times New Roman" panose="02020603050405020304" pitchFamily="18" charset="0"/>
+              </a:rPr>
+              <a:t>Add validation that prevents impossible or duplicate notes in a chord.</a:t>
+            </a:r>
+          </a:p>
+          <a:p>
+            <a:pPr>
+              <a:lnSpc>
+                <a:spcPct val="100000"/>
+              </a:lnSpc>
+            </a:pPr>
+            <a:r>
+              <a:rPr lang="en-US" sz="1600" b="1" dirty="0">
+                <a:latin typeface="Times New Roman" panose="02020603050405020304" pitchFamily="18" charset="0"/>
+                <a:cs typeface="Times New Roman" panose="02020603050405020304" pitchFamily="18" charset="0"/>
+              </a:rPr>
+              <a:t>Error Handling &amp; Robustness</a:t>
+            </a:r>
+          </a:p>
+          <a:p>
+            <a:pPr lvl="1">
+              <a:lnSpc>
+                <a:spcPct val="100000"/>
+              </a:lnSpc>
+            </a:pPr>
+            <a:r>
+              <a:rPr lang="en-US" sz="1600" dirty="0">
+                <a:latin typeface="Times New Roman" panose="02020603050405020304" pitchFamily="18" charset="0"/>
+                <a:cs typeface="Times New Roman" panose="02020603050405020304" pitchFamily="18" charset="0"/>
+              </a:rPr>
+              <a:t>Detect invalid file formats during loading.</a:t>
+            </a:r>
+          </a:p>
+          <a:p>
+            <a:pPr lvl="1">
+              <a:lnSpc>
+                <a:spcPct val="100000"/>
+              </a:lnSpc>
+            </a:pPr>
+            <a:r>
+              <a:rPr lang="en-US" sz="1600" dirty="0">
+                <a:latin typeface="Times New Roman" panose="02020603050405020304" pitchFamily="18" charset="0"/>
+                <a:cs typeface="Times New Roman" panose="02020603050405020304" pitchFamily="18" charset="0"/>
+              </a:rPr>
+              <a:t>Add graceful error messages instead of exiting or crashing.</a:t>
             </a:r>
           </a:p>
         </p:txBody>
@@ -6942,14 +7070,148 @@
         </p:spPr>
         <p:txBody>
           <a:bodyPr>
-            <a:normAutofit/>
+            <a:noAutofit/>
           </a:bodyPr>
           <a:lstStyle/>
           <a:p>
-            <a:endParaRPr lang="en-US" sz="1300" dirty="0">
-              <a:latin typeface="Times New Roman" panose="02020603050405020304" pitchFamily="18" charset="0"/>
-              <a:cs typeface="Times New Roman" panose="02020603050405020304" pitchFamily="18" charset="0"/>
-            </a:endParaRPr>
+            <a:pPr>
+              <a:lnSpc>
+                <a:spcPct val="100000"/>
+              </a:lnSpc>
+            </a:pPr>
+            <a:r>
+              <a:rPr lang="en-US" sz="1600" b="1" dirty="0">
+                <a:latin typeface="Times New Roman" panose="02020603050405020304" pitchFamily="18" charset="0"/>
+                <a:cs typeface="Times New Roman" panose="02020603050405020304" pitchFamily="18" charset="0"/>
+              </a:rPr>
+              <a:t>Real-Time Playback Control</a:t>
+            </a:r>
+          </a:p>
+          <a:p>
+            <a:pPr lvl="1">
+              <a:lnSpc>
+                <a:spcPct val="100000"/>
+              </a:lnSpc>
+            </a:pPr>
+            <a:r>
+              <a:rPr lang="en-US" sz="1600" dirty="0">
+                <a:latin typeface="Times New Roman" panose="02020603050405020304" pitchFamily="18" charset="0"/>
+                <a:cs typeface="Times New Roman" panose="02020603050405020304" pitchFamily="18" charset="0"/>
+              </a:rPr>
+              <a:t>Pause</a:t>
+            </a:r>
+          </a:p>
+          <a:p>
+            <a:pPr lvl="1">
+              <a:lnSpc>
+                <a:spcPct val="100000"/>
+              </a:lnSpc>
+            </a:pPr>
+            <a:r>
+              <a:rPr lang="en-US" sz="1600" dirty="0">
+                <a:latin typeface="Times New Roman" panose="02020603050405020304" pitchFamily="18" charset="0"/>
+                <a:cs typeface="Times New Roman" panose="02020603050405020304" pitchFamily="18" charset="0"/>
+              </a:rPr>
+              <a:t>Resume</a:t>
+            </a:r>
+          </a:p>
+          <a:p>
+            <a:pPr>
+              <a:lnSpc>
+                <a:spcPct val="100000"/>
+              </a:lnSpc>
+            </a:pPr>
+            <a:r>
+              <a:rPr lang="en-US" sz="1600" b="1" dirty="0">
+                <a:latin typeface="Times New Roman" panose="02020603050405020304" pitchFamily="18" charset="0"/>
+                <a:cs typeface="Times New Roman" panose="02020603050405020304" pitchFamily="18" charset="0"/>
+              </a:rPr>
+              <a:t>Multi-Instrument Soundbank</a:t>
+            </a:r>
+          </a:p>
+          <a:p>
+            <a:pPr lvl="1">
+              <a:lnSpc>
+                <a:spcPct val="100000"/>
+              </a:lnSpc>
+            </a:pPr>
+            <a:r>
+              <a:rPr lang="en-US" sz="1600" dirty="0">
+                <a:latin typeface="Times New Roman" panose="02020603050405020304" pitchFamily="18" charset="0"/>
+                <a:cs typeface="Times New Roman" panose="02020603050405020304" pitchFamily="18" charset="0"/>
+              </a:rPr>
+              <a:t>Instead of Beep/MIDI playing only “one instrument,” add:</a:t>
+            </a:r>
+          </a:p>
+          <a:p>
+            <a:pPr lvl="1">
+              <a:lnSpc>
+                <a:spcPct val="100000"/>
+              </a:lnSpc>
+            </a:pPr>
+            <a:r>
+              <a:rPr lang="en-US" sz="1600" dirty="0">
+                <a:latin typeface="Times New Roman" panose="02020603050405020304" pitchFamily="18" charset="0"/>
+                <a:cs typeface="Times New Roman" panose="02020603050405020304" pitchFamily="18" charset="0"/>
+              </a:rPr>
+              <a:t>Piano</a:t>
+            </a:r>
+          </a:p>
+          <a:p>
+            <a:pPr lvl="1">
+              <a:lnSpc>
+                <a:spcPct val="100000"/>
+              </a:lnSpc>
+            </a:pPr>
+            <a:r>
+              <a:rPr lang="en-US" sz="1600" dirty="0">
+                <a:latin typeface="Times New Roman" panose="02020603050405020304" pitchFamily="18" charset="0"/>
+                <a:cs typeface="Times New Roman" panose="02020603050405020304" pitchFamily="18" charset="0"/>
+              </a:rPr>
+              <a:t>Synth</a:t>
+            </a:r>
+          </a:p>
+          <a:p>
+            <a:pPr lvl="1">
+              <a:lnSpc>
+                <a:spcPct val="100000"/>
+              </a:lnSpc>
+            </a:pPr>
+            <a:r>
+              <a:rPr lang="en-US" sz="1600" dirty="0">
+                <a:latin typeface="Times New Roman" panose="02020603050405020304" pitchFamily="18" charset="0"/>
+                <a:cs typeface="Times New Roman" panose="02020603050405020304" pitchFamily="18" charset="0"/>
+              </a:rPr>
+              <a:t>Other interments</a:t>
+            </a:r>
+          </a:p>
+          <a:p>
+            <a:pPr>
+              <a:lnSpc>
+                <a:spcPct val="100000"/>
+              </a:lnSpc>
+            </a:pPr>
+            <a:r>
+              <a:rPr lang="en-US" sz="1600" b="1" dirty="0">
+                <a:latin typeface="Times New Roman" panose="02020603050405020304" pitchFamily="18" charset="0"/>
+                <a:cs typeface="Times New Roman" panose="02020603050405020304" pitchFamily="18" charset="0"/>
+              </a:rPr>
+              <a:t>Play Two Notes at the Same Time</a:t>
+            </a:r>
+          </a:p>
+          <a:p>
+            <a:pPr lvl="1">
+              <a:lnSpc>
+                <a:spcPct val="100000"/>
+              </a:lnSpc>
+            </a:pPr>
+            <a:r>
+              <a:rPr lang="en-US" sz="1600" dirty="0">
+                <a:latin typeface="Times New Roman" panose="02020603050405020304" pitchFamily="18" charset="0"/>
+                <a:cs typeface="Times New Roman" panose="02020603050405020304" pitchFamily="18" charset="0"/>
+              </a:rPr>
+              <a:t>Add the ability for the program to play two notes together</a:t>
+            </a:r>
           </a:p>
         </p:txBody>
       </p:sp>
@@ -7048,213 +7310,235 @@
         <p:spPr>
           <a:xfrm>
             <a:off x="1522413" y="1905000"/>
-            <a:ext cx="9448799" cy="4267200"/>
+            <a:ext cx="3733799" cy="4267200"/>
           </a:xfrm>
         </p:spPr>
         <p:txBody>
           <a:bodyPr>
-            <a:normAutofit/>
+            <a:normAutofit lnSpcReduction="10000"/>
           </a:bodyPr>
           <a:lstStyle/>
-          <a:p>
-            <a:r>
-              <a:rPr lang="en-US" sz="2200" b="1" dirty="0">
-                <a:latin typeface="Times New Roman" panose="02020603050405020304" pitchFamily="18" charset="0"/>
-                <a:cs typeface="Times New Roman" panose="02020603050405020304" pitchFamily="18" charset="0"/>
-              </a:rPr>
-              <a:t>Logan: Project Architect &amp; Core Logic</a:t>
-            </a:r>
-            <a:endParaRPr lang="en-US" sz="2200" dirty="0">
-              <a:latin typeface="Times New Roman" panose="02020603050405020304" pitchFamily="18" charset="0"/>
-              <a:cs typeface="Times New Roman" panose="02020603050405020304" pitchFamily="18" charset="0"/>
-            </a:endParaRPr>
-          </a:p>
-          <a:p>
-            <a:pPr lvl="1"/>
-            <a:r>
-              <a:rPr lang="en-US" sz="1300" dirty="0">
-                <a:latin typeface="Times New Roman" panose="02020603050405020304" pitchFamily="18" charset="0"/>
-                <a:cs typeface="Times New Roman" panose="02020603050405020304" pitchFamily="18" charset="0"/>
-              </a:rPr>
-              <a:t>Primary responsibility for the core data structures (Note, Measure, Music Section).</a:t>
-            </a:r>
-          </a:p>
-          <a:p>
-            <a:pPr lvl="1"/>
-            <a:r>
-              <a:rPr lang="en-US" sz="1300" dirty="0">
-                <a:latin typeface="Times New Roman" panose="02020603050405020304" pitchFamily="18" charset="0"/>
-                <a:cs typeface="Times New Roman" panose="02020603050405020304" pitchFamily="18" charset="0"/>
-              </a:rPr>
-              <a:t>Implemented the main program loop, menu system, and playback engine with multi-threading.</a:t>
-            </a:r>
-          </a:p>
-          <a:p>
-            <a:pPr lvl="1"/>
-            <a:r>
-              <a:rPr lang="en-US" sz="1300" dirty="0">
-                <a:latin typeface="Times New Roman" panose="02020603050405020304" pitchFamily="18" charset="0"/>
-                <a:cs typeface="Times New Roman" panose="02020603050405020304" pitchFamily="18" charset="0"/>
-              </a:rPr>
-              <a:t>Developed the file I/O logic for saving and loading songs.</a:t>
-            </a:r>
-          </a:p>
-          <a:p>
-            <a:pPr lvl="1"/>
-            <a:r>
-              <a:rPr lang="en-US" sz="1300" dirty="0">
-                <a:latin typeface="Times New Roman" panose="02020603050405020304" pitchFamily="18" charset="0"/>
-                <a:cs typeface="Times New Roman" panose="02020603050405020304" pitchFamily="18" charset="0"/>
-              </a:rPr>
-              <a:t>Implemented stretch goals: </a:t>
-            </a:r>
-            <a:r>
-              <a:rPr lang="en-US" sz="1300" b="1" dirty="0">
-                <a:latin typeface="Times New Roman" panose="02020603050405020304" pitchFamily="18" charset="0"/>
-                <a:cs typeface="Times New Roman" panose="02020603050405020304" pitchFamily="18" charset="0"/>
-              </a:rPr>
-              <a:t>Music Theory Integration (Chord Dictionary)</a:t>
-            </a:r>
-            <a:r>
-              <a:rPr lang="en-US" sz="1300" dirty="0">
-                <a:latin typeface="Times New Roman" panose="02020603050405020304" pitchFamily="18" charset="0"/>
-                <a:cs typeface="Times New Roman" panose="02020603050405020304" pitchFamily="18" charset="0"/>
-              </a:rPr>
-              <a:t> and </a:t>
-            </a:r>
-            <a:r>
-              <a:rPr lang="en-US" sz="1300" b="1" dirty="0">
-                <a:latin typeface="Times New Roman" panose="02020603050405020304" pitchFamily="18" charset="0"/>
-                <a:cs typeface="Times New Roman" panose="02020603050405020304" pitchFamily="18" charset="0"/>
-              </a:rPr>
-              <a:t>Project Organization (Multi-section &amp; Music Sheet Printout)</a:t>
-            </a:r>
-            <a:r>
-              <a:rPr lang="en-US" sz="1300" dirty="0">
-                <a:latin typeface="Times New Roman" panose="02020603050405020304" pitchFamily="18" charset="0"/>
-                <a:cs typeface="Times New Roman" panose="02020603050405020304" pitchFamily="18" charset="0"/>
-              </a:rPr>
-              <a:t>.</a:t>
-            </a:r>
-          </a:p>
           <a:p>
             <a:r>
               <a:rPr lang="en-US" b="1" dirty="0">
                 <a:latin typeface="Times New Roman" panose="02020603050405020304" pitchFamily="18" charset="0"/>
                 <a:cs typeface="Times New Roman" panose="02020603050405020304" pitchFamily="18" charset="0"/>
               </a:rPr>
-              <a:t>Andrew: Audio Integration &amp; Advanced Features</a:t>
-            </a:r>
-          </a:p>
-          <a:p>
-            <a:pPr lvl="1"/>
-            <a:r>
-              <a:rPr lang="en-US" sz="1300" b="1" dirty="0">
+              <a:t>Logan</a:t>
+            </a:r>
+            <a:r>
+              <a:rPr lang="en-US" sz="1600" b="1" dirty="0">
                 <a:latin typeface="Times New Roman" panose="02020603050405020304" pitchFamily="18" charset="0"/>
                 <a:cs typeface="Times New Roman" panose="02020603050405020304" pitchFamily="18" charset="0"/>
               </a:rPr>
-              <a:t>Primary Responsibility:</a:t>
-            </a:r>
-            <a:r>
-              <a:rPr lang="en-US" sz="1300" dirty="0">
+              <a:t>:</a:t>
+            </a:r>
+            <a:endParaRPr lang="en-US" sz="1600" dirty="0">
+              <a:latin typeface="Times New Roman" panose="02020603050405020304" pitchFamily="18" charset="0"/>
+              <a:cs typeface="Times New Roman" panose="02020603050405020304" pitchFamily="18" charset="0"/>
+            </a:endParaRPr>
+          </a:p>
+          <a:p>
+            <a:pPr lvl="1"/>
+            <a:r>
+              <a:rPr lang="en-US" sz="1600" dirty="0">
                 <a:latin typeface="Times New Roman" panose="02020603050405020304" pitchFamily="18" charset="0"/>
                 <a:cs typeface="Times New Roman" panose="02020603050405020304" pitchFamily="18" charset="0"/>
               </a:rPr>
-              <a:t> Implement the </a:t>
-            </a:r>
-            <a:r>
-              <a:rPr lang="en-US" sz="1300" b="1" dirty="0">
-                <a:latin typeface="Times New Roman" panose="02020603050405020304" pitchFamily="18" charset="0"/>
-                <a:cs typeface="Times New Roman" panose="02020603050405020304" pitchFamily="18" charset="0"/>
-              </a:rPr>
-              <a:t>MP3/WAV File Conversion Stretch Goal</a:t>
-            </a:r>
-            <a:r>
-              <a:rPr lang="en-US" sz="1300" dirty="0">
-                <a:latin typeface="Times New Roman" panose="02020603050405020304" pitchFamily="18" charset="0"/>
-                <a:cs typeface="Times New Roman" panose="02020603050405020304" pitchFamily="18" charset="0"/>
-              </a:rPr>
-              <a:t>.</a:t>
-            </a:r>
-          </a:p>
-          <a:p>
-            <a:pPr lvl="1"/>
-            <a:r>
-              <a:rPr lang="en-US" sz="1300" b="1" dirty="0">
-                <a:latin typeface="Times New Roman" panose="02020603050405020304" pitchFamily="18" charset="0"/>
-                <a:cs typeface="Times New Roman" panose="02020603050405020304" pitchFamily="18" charset="0"/>
-              </a:rPr>
-              <a:t>Specific Task:</a:t>
-            </a:r>
-            <a:r>
-              <a:rPr lang="en-US" sz="1300" dirty="0">
-                <a:latin typeface="Times New Roman" panose="02020603050405020304" pitchFamily="18" charset="0"/>
-                <a:cs typeface="Times New Roman" panose="02020603050405020304" pitchFamily="18" charset="0"/>
-              </a:rPr>
-              <a:t> Enable drag-and-drop functionality for audio files onto the executable, converting them into the application's internal note-based format for playback and editing.</a:t>
-            </a:r>
-          </a:p>
-          <a:p>
-            <a:pPr lvl="1"/>
-            <a:r>
-              <a:rPr lang="en-US" sz="1300" b="1" dirty="0">
-                <a:latin typeface="Times New Roman" panose="02020603050405020304" pitchFamily="18" charset="0"/>
-                <a:cs typeface="Times New Roman" panose="02020603050405020304" pitchFamily="18" charset="0"/>
-              </a:rPr>
-              <a:t>Technical Approach:</a:t>
-            </a:r>
-            <a:r>
-              <a:rPr lang="en-US" sz="1300" dirty="0">
-                <a:latin typeface="Times New Roman" panose="02020603050405020304" pitchFamily="18" charset="0"/>
-                <a:cs typeface="Times New Roman" panose="02020603050405020304" pitchFamily="18" charset="0"/>
-              </a:rPr>
-              <a:t> This will involve researching and integrating an external audio library (</a:t>
-            </a:r>
-            <a:r>
-              <a:rPr lang="en-US" sz="1300" b="1" dirty="0" err="1">
-                <a:latin typeface="Times New Roman" panose="02020603050405020304" pitchFamily="18" charset="0"/>
-                <a:cs typeface="Times New Roman" panose="02020603050405020304" pitchFamily="18" charset="0"/>
-              </a:rPr>
-              <a:t>libsndfile</a:t>
-            </a:r>
-            <a:r>
-              <a:rPr lang="en-US" sz="1300" dirty="0">
-                <a:latin typeface="Times New Roman" panose="02020603050405020304" pitchFamily="18" charset="0"/>
-                <a:cs typeface="Times New Roman" panose="02020603050405020304" pitchFamily="18" charset="0"/>
-              </a:rPr>
-              <a:t>) and implementing pitch detection algorithms to map audio frequencies to musical notes.</a:t>
-            </a:r>
-          </a:p>
-          <a:p>
-            <a:pPr lvl="1"/>
-            <a:r>
-              <a:rPr lang="en-US" sz="1300" dirty="0">
-                <a:latin typeface="Times New Roman" panose="02020603050405020304" pitchFamily="18" charset="0"/>
-                <a:cs typeface="Times New Roman" panose="02020603050405020304" pitchFamily="18" charset="0"/>
-              </a:rPr>
-              <a:t>Additional contribution: Assisted with the </a:t>
-            </a:r>
-            <a:r>
-              <a:rPr lang="en-US" sz="1300" b="1" dirty="0">
-                <a:latin typeface="Times New Roman" panose="02020603050405020304" pitchFamily="18" charset="0"/>
-                <a:cs typeface="Times New Roman" panose="02020603050405020304" pitchFamily="18" charset="0"/>
-              </a:rPr>
-              <a:t>Algorithmic Composition (Random Section Generator)</a:t>
-            </a:r>
-            <a:r>
-              <a:rPr lang="en-US" sz="1300" dirty="0">
-                <a:latin typeface="Times New Roman" panose="02020603050405020304" pitchFamily="18" charset="0"/>
-                <a:cs typeface="Times New Roman" panose="02020603050405020304" pitchFamily="18" charset="0"/>
-              </a:rPr>
-              <a:t> feature</a:t>
-            </a:r>
+              <a:t>Primary responsibility: </a:t>
+            </a:r>
+          </a:p>
+          <a:p>
+            <a:pPr lvl="2"/>
             <a:r>
               <a:rPr lang="en-US" dirty="0">
                 <a:latin typeface="Times New Roman" panose="02020603050405020304" pitchFamily="18" charset="0"/>
                 <a:cs typeface="Times New Roman" panose="02020603050405020304" pitchFamily="18" charset="0"/>
               </a:rPr>
-              <a:t>.</a:t>
-            </a:r>
+              <a:t>Replace windows.h with midi.h </a:t>
+            </a:r>
+          </a:p>
+          <a:p>
+            <a:pPr lvl="2"/>
+            <a:r>
+              <a:rPr lang="en-US" dirty="0">
+                <a:latin typeface="Times New Roman" panose="02020603050405020304" pitchFamily="18" charset="0"/>
+                <a:cs typeface="Times New Roman" panose="02020603050405020304" pitchFamily="18" charset="0"/>
+              </a:rPr>
+              <a:t>Input Quality-of-Life Improvements</a:t>
+            </a:r>
+          </a:p>
+          <a:p>
+            <a:pPr lvl="1"/>
+            <a:r>
+              <a:rPr lang="en-US" sz="1600" dirty="0">
+                <a:latin typeface="Times New Roman" panose="02020603050405020304" pitchFamily="18" charset="0"/>
+                <a:cs typeface="Times New Roman" panose="02020603050405020304" pitchFamily="18" charset="0"/>
+              </a:rPr>
+              <a:t>Implemented stretch goal: </a:t>
+            </a:r>
+          </a:p>
+          <a:p>
+            <a:pPr lvl="2"/>
+            <a:r>
+              <a:rPr lang="en-US" dirty="0">
+                <a:latin typeface="Times New Roman" panose="02020603050405020304" pitchFamily="18" charset="0"/>
+                <a:cs typeface="Times New Roman" panose="02020603050405020304" pitchFamily="18" charset="0"/>
+              </a:rPr>
+              <a:t>Real-Time Playback</a:t>
+            </a:r>
+          </a:p>
+          <a:p>
+            <a:r>
+              <a:rPr lang="en-US" b="1" dirty="0">
+                <a:latin typeface="Times New Roman" panose="02020603050405020304" pitchFamily="18" charset="0"/>
+                <a:cs typeface="Times New Roman" panose="02020603050405020304" pitchFamily="18" charset="0"/>
+              </a:rPr>
+              <a:t>Andrew</a:t>
+            </a:r>
+            <a:r>
+              <a:rPr lang="en-US" sz="1600" b="1" dirty="0">
+                <a:latin typeface="Times New Roman" panose="02020603050405020304" pitchFamily="18" charset="0"/>
+                <a:cs typeface="Times New Roman" panose="02020603050405020304" pitchFamily="18" charset="0"/>
+              </a:rPr>
+              <a:t>:</a:t>
+            </a:r>
+            <a:endParaRPr lang="en-US" sz="1600" dirty="0">
+              <a:latin typeface="Times New Roman" panose="02020603050405020304" pitchFamily="18" charset="0"/>
+              <a:cs typeface="Times New Roman" panose="02020603050405020304" pitchFamily="18" charset="0"/>
+            </a:endParaRPr>
+          </a:p>
+          <a:p>
+            <a:pPr lvl="1"/>
+            <a:r>
+              <a:rPr lang="en-US" sz="1600" dirty="0">
+                <a:latin typeface="Times New Roman" panose="02020603050405020304" pitchFamily="18" charset="0"/>
+                <a:cs typeface="Times New Roman" panose="02020603050405020304" pitchFamily="18" charset="0"/>
+              </a:rPr>
+              <a:t>Primary responsibility: </a:t>
+            </a:r>
+          </a:p>
+          <a:p>
+            <a:pPr lvl="2"/>
+            <a:r>
+              <a:rPr lang="en-US" dirty="0">
+                <a:latin typeface="Times New Roman" panose="02020603050405020304" pitchFamily="18" charset="0"/>
+                <a:cs typeface="Times New Roman" panose="02020603050405020304" pitchFamily="18" charset="0"/>
+              </a:rPr>
+              <a:t>Organize current code </a:t>
+            </a:r>
+          </a:p>
+          <a:p>
+            <a:pPr lvl="2"/>
+            <a:r>
+              <a:rPr lang="en-US" dirty="0">
+                <a:latin typeface="Times New Roman" panose="02020603050405020304" pitchFamily="18" charset="0"/>
+                <a:cs typeface="Times New Roman" panose="02020603050405020304" pitchFamily="18" charset="0"/>
+              </a:rPr>
+              <a:t>Error Handling &amp; Robustness</a:t>
+            </a:r>
+          </a:p>
+          <a:p>
+            <a:pPr lvl="1"/>
+            <a:r>
+              <a:rPr lang="en-US" sz="1600" dirty="0">
+                <a:latin typeface="Times New Roman" panose="02020603050405020304" pitchFamily="18" charset="0"/>
+                <a:cs typeface="Times New Roman" panose="02020603050405020304" pitchFamily="18" charset="0"/>
+              </a:rPr>
+              <a:t>Implemented stretch goal: </a:t>
+            </a:r>
+          </a:p>
+          <a:p>
+            <a:pPr lvl="2"/>
+            <a:r>
+              <a:rPr lang="en-US" dirty="0">
+                <a:latin typeface="Times New Roman" panose="02020603050405020304" pitchFamily="18" charset="0"/>
+                <a:cs typeface="Times New Roman" panose="02020603050405020304" pitchFamily="18" charset="0"/>
+              </a:rPr>
+              <a:t>Multi-Instrument Soundbank</a:t>
+            </a:r>
+          </a:p>
+          <a:p>
+            <a:pPr lvl="2"/>
+            <a:endParaRPr lang="en-US" sz="1100" dirty="0">
+              <a:latin typeface="Times New Roman" panose="02020603050405020304" pitchFamily="18" charset="0"/>
+              <a:cs typeface="Times New Roman" panose="02020603050405020304" pitchFamily="18" charset="0"/>
+            </a:endParaRPr>
+          </a:p>
+        </p:txBody>
+      </p:sp>
+      <p:sp>
+        <p:nvSpPr>
+          <p:cNvPr id="3" name="TextBox 2">
+            <a:extLst>
+              <a:ext uri="{FF2B5EF4-FFF2-40B4-BE49-F238E27FC236}">
+                <a16:creationId xmlns:a16="http://schemas.microsoft.com/office/drawing/2014/main" id="{DEF68987-5F63-ADAD-5A45-D1FF4D8FDC27}"/>
+              </a:ext>
+            </a:extLst>
+          </p:cNvPr>
+          <p:cNvSpPr txBox="1"/>
+          <p:nvPr/>
+        </p:nvSpPr>
+        <p:spPr>
+          <a:xfrm>
+            <a:off x="5942012" y="2971800"/>
+            <a:ext cx="6096000" cy="1292662"/>
+          </a:xfrm>
+          <a:prstGeom prst="rect">
+            <a:avLst/>
+          </a:prstGeom>
+          <a:noFill/>
+        </p:spPr>
+        <p:txBody>
+          <a:bodyPr wrap="square" rtlCol="0">
+            <a:spAutoFit/>
+          </a:bodyPr>
+          <a:lstStyle/>
+          <a:p>
+            <a:pPr marL="285750" indent="-285750">
+              <a:buFont typeface="Wingdings" panose="05000000000000000000" pitchFamily="2" charset="2"/>
+              <a:buChar char="§"/>
+            </a:pPr>
+            <a:r>
+              <a:rPr lang="en-US" sz="2000" dirty="0">
+                <a:latin typeface="Times New Roman" panose="02020603050405020304" pitchFamily="18" charset="0"/>
+                <a:cs typeface="Times New Roman" panose="02020603050405020304" pitchFamily="18" charset="0"/>
+              </a:rPr>
+              <a:t>Sharded</a:t>
+            </a:r>
+          </a:p>
+          <a:p>
+            <a:pPr marL="742950" lvl="1" indent="-285750">
+              <a:buFont typeface="Wingdings" panose="05000000000000000000" pitchFamily="2" charset="2"/>
+              <a:buChar char="§"/>
+            </a:pPr>
+            <a:r>
+              <a:rPr lang="en-US" sz="2000" dirty="0">
+                <a:latin typeface="Times New Roman" panose="02020603050405020304" pitchFamily="18" charset="0"/>
+                <a:cs typeface="Times New Roman" panose="02020603050405020304" pitchFamily="18" charset="0"/>
+              </a:rPr>
+              <a:t>Implemented Strech Goal</a:t>
+            </a:r>
+          </a:p>
+          <a:p>
+            <a:pPr marL="1200150" lvl="2" indent="-285750">
+              <a:buFont typeface="Wingdings" panose="05000000000000000000" pitchFamily="2" charset="2"/>
+              <a:buChar char="§"/>
+            </a:pPr>
+            <a:r>
+              <a:rPr lang="en-US" sz="2000" b="1" dirty="0">
+                <a:latin typeface="Times New Roman" panose="02020603050405020304" pitchFamily="18" charset="0"/>
+                <a:cs typeface="Times New Roman" panose="02020603050405020304" pitchFamily="18" charset="0"/>
+              </a:rPr>
+              <a:t>Play Two Notes at the Same Time</a:t>
+            </a:r>
+          </a:p>
+          <a:p>
+            <a:pPr marL="1200150" lvl="2" indent="-285750">
+              <a:buFont typeface="Wingdings" panose="05000000000000000000" pitchFamily="2" charset="2"/>
+              <a:buChar char="§"/>
+            </a:pPr>
+            <a:endParaRPr lang="en-US" dirty="0"/>
           </a:p>
         </p:txBody>
       </p:sp>
@@ -7868,11 +8152,12 @@
 </file>
 
 <file path=customXml/item1.xml><?xml version="1.0" encoding="utf-8"?>
-<p:properties xmlns:p="http://schemas.microsoft.com/office/2006/metadata/properties" xmlns:xsi="http://www.w3.org/2001/XMLSchema-instance" xmlns:pc="http://schemas.microsoft.com/office/infopath/2007/PartnerControls">
-  <documentManagement>
-    <_activity xmlns="21e4c3c6-9e0b-46f3-8506-94a921a28d3e" xsi:nil="true"/>
-  </documentManagement>
-</p:properties>
+<?mso-contentType ?>
+<FormTemplates xmlns="http://schemas.microsoft.com/sharepoint/v3/contenttype/forms">
+  <Display>DocumentLibraryForm</Display>
+  <Edit>DocumentLibraryForm</Edit>
+  <New>DocumentLibraryForm</New>
+</FormTemplates>
 </file>
 
 <file path=customXml/item2.xml><?xml version="1.0" encoding="utf-8"?>
@@ -8109,27 +8394,17 @@
 </file>
 
 <file path=customXml/item3.xml><?xml version="1.0" encoding="utf-8"?>
-<?mso-contentType ?>
-<FormTemplates xmlns="http://schemas.microsoft.com/sharepoint/v3/contenttype/forms">
-  <Display>DocumentLibraryForm</Display>
-  <Edit>DocumentLibraryForm</Edit>
-  <New>DocumentLibraryForm</New>
-</FormTemplates>
+<p:properties xmlns:p="http://schemas.microsoft.com/office/2006/metadata/properties" xmlns:xsi="http://www.w3.org/2001/XMLSchema-instance" xmlns:pc="http://schemas.microsoft.com/office/infopath/2007/PartnerControls">
+  <documentManagement>
+    <_activity xmlns="21e4c3c6-9e0b-46f3-8506-94a921a28d3e" xsi:nil="true"/>
+  </documentManagement>
+</p:properties>
 </file>
 
 <file path=customXml/itemProps1.xml><?xml version="1.0" encoding="utf-8"?>
-<ds:datastoreItem xmlns:ds="http://schemas.openxmlformats.org/officeDocument/2006/customXml" ds:itemID="{27F00EAF-D076-4BCF-8762-1BE4E92D280C}">
+<ds:datastoreItem xmlns:ds="http://schemas.openxmlformats.org/officeDocument/2006/customXml" ds:itemID="{9D54AFD2-FB61-40B6-A22C-266A2B6AAD00}">
   <ds:schemaRefs>
-    <ds:schemaRef ds:uri="http://schemas.microsoft.com/office/2006/metadata/properties"/>
-    <ds:schemaRef ds:uri="21e4c3c6-9e0b-46f3-8506-94a921a28d3e"/>
-    <ds:schemaRef ds:uri="http://purl.org/dc/elements/1.1/"/>
-    <ds:schemaRef ds:uri="http://schemas.microsoft.com/office/2006/documentManagement/types"/>
-    <ds:schemaRef ds:uri="http://purl.org/dc/dcmitype/"/>
-    <ds:schemaRef ds:uri="e5c1c020-ca77-4a6f-91b3-901ce8c76c04"/>
-    <ds:schemaRef ds:uri="http://schemas.openxmlformats.org/package/2006/metadata/core-properties"/>
-    <ds:schemaRef ds:uri="http://purl.org/dc/terms/"/>
-    <ds:schemaRef ds:uri="http://schemas.microsoft.com/office/infopath/2007/PartnerControls"/>
-    <ds:schemaRef ds:uri="http://www.w3.org/XML/1998/namespace"/>
+    <ds:schemaRef ds:uri="http://schemas.microsoft.com/sharepoint/v3/contenttype/forms"/>
   </ds:schemaRefs>
 </ds:datastoreItem>
 </file>
@@ -8154,9 +8429,18 @@
 </file>
 
 <file path=customXml/itemProps3.xml><?xml version="1.0" encoding="utf-8"?>
-<ds:datastoreItem xmlns:ds="http://schemas.openxmlformats.org/officeDocument/2006/customXml" ds:itemID="{9D54AFD2-FB61-40B6-A22C-266A2B6AAD00}">
+<ds:datastoreItem xmlns:ds="http://schemas.openxmlformats.org/officeDocument/2006/customXml" ds:itemID="{27F00EAF-D076-4BCF-8762-1BE4E92D280C}">
   <ds:schemaRefs>
-    <ds:schemaRef ds:uri="http://schemas.microsoft.com/sharepoint/v3/contenttype/forms"/>
+    <ds:schemaRef ds:uri="http://schemas.microsoft.com/office/2006/metadata/properties"/>
+    <ds:schemaRef ds:uri="21e4c3c6-9e0b-46f3-8506-94a921a28d3e"/>
+    <ds:schemaRef ds:uri="http://purl.org/dc/elements/1.1/"/>
+    <ds:schemaRef ds:uri="http://schemas.microsoft.com/office/2006/documentManagement/types"/>
+    <ds:schemaRef ds:uri="http://purl.org/dc/dcmitype/"/>
+    <ds:schemaRef ds:uri="e5c1c020-ca77-4a6f-91b3-901ce8c76c04"/>
+    <ds:schemaRef ds:uri="http://schemas.openxmlformats.org/package/2006/metadata/core-properties"/>
+    <ds:schemaRef ds:uri="http://purl.org/dc/terms/"/>
+    <ds:schemaRef ds:uri="http://schemas.microsoft.com/office/infopath/2007/PartnerControls"/>
+    <ds:schemaRef ds:uri="http://www.w3.org/XML/1998/namespace"/>
   </ds:schemaRefs>
 </ds:datastoreItem>
 </file>